--- a/Apresentação Git.pptx
+++ b/Apresentação Git.pptx
@@ -4182,15 +4182,7 @@
           <a:p>
             <a:r>
               <a:rPr lang="pt-BR" dirty="0" smtClean="0"/>
-              <a:t>Sistemas </a:t>
-            </a:r>
-            <a:r>
-              <a:rPr lang="pt-BR" dirty="0" smtClean="0"/>
-              <a:t>Controladores de </a:t>
-            </a:r>
-            <a:r>
-              <a:rPr lang="pt-BR" dirty="0" smtClean="0"/>
-              <a:t>Versão - Git</a:t>
+              <a:t>Sistemas Controladores de Versão - Git</a:t>
             </a:r>
             <a:endParaRPr lang="pt-BR" dirty="0"/>
           </a:p>
@@ -5160,7 +5152,6 @@
               <a:rPr lang="pt-BR" dirty="0"/>
               <a:t>Para onde queremos ir...</a:t>
             </a:r>
-            <a:endParaRPr lang="pt-BR" dirty="0"/>
           </a:p>
         </p:txBody>
       </p:sp>
@@ -5466,7 +5457,11 @@
           <a:p>
             <a:r>
               <a:rPr lang="pt-BR" dirty="0" smtClean="0"/>
-              <a:t>Ciclo básico  </a:t>
+              <a:t>Ciclo </a:t>
+            </a:r>
+            <a:r>
+              <a:rPr lang="pt-BR" dirty="0" smtClean="0"/>
+              <a:t>local</a:t>
             </a:r>
             <a:endParaRPr lang="pt-BR" dirty="0"/>
           </a:p>
@@ -5474,9 +5469,9 @@
       </p:sp>
       <p:pic>
         <p:nvPicPr>
-          <p:cNvPr id="8194" name="Picture 2"/>
+          <p:cNvPr id="5" name="Espaço Reservado para Conteúdo 4" descr="C:\Users\mollivier\Desktop\Untitled Diagram.png"/>
           <p:cNvPicPr>
-            <a:picLocks noGrp="1" noChangeAspect="1" noChangeArrowheads="1"/>
+            <a:picLocks noGrp="1"/>
           </p:cNvPicPr>
           <p:nvPr>
             <p:ph idx="1"/>
@@ -5490,14 +5485,15 @@
               </a:ext>
             </a:extLst>
           </a:blip>
+          <a:srcRect/>
           <a:stretch>
             <a:fillRect/>
           </a:stretch>
         </p:blipFill>
         <p:spPr bwMode="auto">
           <a:xfrm>
-            <a:off x="2267744" y="1556792"/>
-            <a:ext cx="4464496" cy="5253570"/>
+            <a:off x="1475656" y="2348880"/>
+            <a:ext cx="6300586" cy="3306787"/>
           </a:xfrm>
           <a:prstGeom prst="rect">
             <a:avLst/>
@@ -5506,25 +5502,6 @@
           <a:ln>
             <a:noFill/>
           </a:ln>
-          <a:extLst>
-            <a:ext uri="{909E8E84-426E-40DD-AFC4-6F175D3DCCD1}">
-              <a14:hiddenFill xmlns:a14="http://schemas.microsoft.com/office/drawing/2010/main">
-                <a:solidFill>
-                  <a:schemeClr val="accent1"/>
-                </a:solidFill>
-              </a14:hiddenFill>
-            </a:ext>
-            <a:ext uri="{91240B29-F687-4F45-9708-019B960494DF}">
-              <a14:hiddenLine xmlns:a14="http://schemas.microsoft.com/office/drawing/2010/main" w="9525">
-                <a:solidFill>
-                  <a:schemeClr val="tx1"/>
-                </a:solidFill>
-                <a:miter lim="800000"/>
-                <a:headEnd/>
-                <a:tailEnd/>
-              </a14:hiddenLine>
-            </a:ext>
-          </a:extLst>
         </p:spPr>
       </p:pic>
     </p:spTree>
@@ -5637,11 +5614,11 @@
   <p:clrMapOvr>
     <a:masterClrMapping/>
   </p:clrMapOvr>
-  <mc:AlternateContent xmlns:mc="http://schemas.openxmlformats.org/markup-compatibility/2006">
-    <mc:Choice xmlns:p14="http://schemas.microsoft.com/office/powerpoint/2010/main" Requires="p14">
+  <mc:AlternateContent xmlns:mc="http://schemas.openxmlformats.org/markup-compatibility/2006" xmlns:p14="http://schemas.microsoft.com/office/powerpoint/2010/main">
+    <mc:Choice Requires="p14">
       <p:transition spd="slow" p14:dur="2000"/>
     </mc:Choice>
-    <mc:Fallback>
+    <mc:Fallback xmlns="">
       <p:transition spd="slow"/>
     </mc:Fallback>
   </mc:AlternateContent>

--- a/Apresentação Git.pptx
+++ b/Apresentação Git.pptx
@@ -5,7 +5,7 @@
     <p:sldMasterId id="2147483828" r:id="rId1"/>
   </p:sldMasterIdLst>
   <p:notesMasterIdLst>
-    <p:notesMasterId r:id="rId17"/>
+    <p:notesMasterId r:id="rId20"/>
   </p:notesMasterIdLst>
   <p:sldIdLst>
     <p:sldId id="256" r:id="rId2"/>
@@ -22,7 +22,10 @@
     <p:sldId id="288" r:id="rId13"/>
     <p:sldId id="289" r:id="rId14"/>
     <p:sldId id="290" r:id="rId15"/>
-    <p:sldId id="269" r:id="rId16"/>
+    <p:sldId id="321" r:id="rId16"/>
+    <p:sldId id="320" r:id="rId17"/>
+    <p:sldId id="322" r:id="rId18"/>
+    <p:sldId id="269" r:id="rId19"/>
   </p:sldIdLst>
   <p:sldSz cx="9144000" cy="6858000" type="screen4x3"/>
   <p:notesSz cx="6858000" cy="9144000"/>
@@ -206,7 +209,7 @@
           <a:p>
             <a:fld id="{D7BE3F3E-D8CE-4608-9B1F-6F827E41EBD5}" type="datetimeFigureOut">
               <a:rPr lang="pt-BR" smtClean="0"/>
-              <a:t>08/10/2015</a:t>
+              <a:t>14/10/2015</a:t>
             </a:fld>
             <a:endParaRPr lang="pt-BR"/>
           </a:p>
@@ -722,7 +725,7 @@
           <a:p>
             <a:fld id="{167DAEA2-1B19-492C-8106-A0AC74AED470}" type="datetimeFigureOut">
               <a:rPr lang="pt-BR" smtClean="0"/>
-              <a:t>08/10/2015</a:t>
+              <a:t>14/10/2015</a:t>
             </a:fld>
             <a:endParaRPr lang="pt-BR"/>
           </a:p>
@@ -945,7 +948,7 @@
           <a:p>
             <a:fld id="{167DAEA2-1B19-492C-8106-A0AC74AED470}" type="datetimeFigureOut">
               <a:rPr lang="pt-BR" smtClean="0"/>
-              <a:t>08/10/2015</a:t>
+              <a:t>14/10/2015</a:t>
             </a:fld>
             <a:endParaRPr lang="pt-BR"/>
           </a:p>
@@ -1225,7 +1228,7 @@
           <a:p>
             <a:fld id="{167DAEA2-1B19-492C-8106-A0AC74AED470}" type="datetimeFigureOut">
               <a:rPr lang="pt-BR" smtClean="0"/>
-              <a:t>08/10/2015</a:t>
+              <a:t>14/10/2015</a:t>
             </a:fld>
             <a:endParaRPr lang="pt-BR"/>
           </a:p>
@@ -1404,7 +1407,7 @@
           <a:p>
             <a:fld id="{167DAEA2-1B19-492C-8106-A0AC74AED470}" type="datetimeFigureOut">
               <a:rPr lang="pt-BR" smtClean="0"/>
-              <a:t>08/10/2015</a:t>
+              <a:t>14/10/2015</a:t>
             </a:fld>
             <a:endParaRPr lang="pt-BR"/>
           </a:p>
@@ -1762,7 +1765,7 @@
           <a:p>
             <a:fld id="{167DAEA2-1B19-492C-8106-A0AC74AED470}" type="datetimeFigureOut">
               <a:rPr lang="pt-BR" smtClean="0"/>
-              <a:t>08/10/2015</a:t>
+              <a:t>14/10/2015</a:t>
             </a:fld>
             <a:endParaRPr lang="pt-BR"/>
           </a:p>
@@ -2049,7 +2052,7 @@
           <a:p>
             <a:fld id="{167DAEA2-1B19-492C-8106-A0AC74AED470}" type="datetimeFigureOut">
               <a:rPr lang="pt-BR" smtClean="0"/>
-              <a:t>08/10/2015</a:t>
+              <a:t>14/10/2015</a:t>
             </a:fld>
             <a:endParaRPr lang="pt-BR"/>
           </a:p>
@@ -2471,7 +2474,7 @@
           <a:p>
             <a:fld id="{167DAEA2-1B19-492C-8106-A0AC74AED470}" type="datetimeFigureOut">
               <a:rPr lang="pt-BR" smtClean="0"/>
-              <a:t>08/10/2015</a:t>
+              <a:t>14/10/2015</a:t>
             </a:fld>
             <a:endParaRPr lang="pt-BR"/>
           </a:p>
@@ -2586,7 +2589,7 @@
           <a:p>
             <a:fld id="{167DAEA2-1B19-492C-8106-A0AC74AED470}" type="datetimeFigureOut">
               <a:rPr lang="pt-BR" smtClean="0"/>
-              <a:t>08/10/2015</a:t>
+              <a:t>14/10/2015</a:t>
             </a:fld>
             <a:endParaRPr lang="pt-BR"/>
           </a:p>
@@ -2676,7 +2679,7 @@
           <a:p>
             <a:fld id="{167DAEA2-1B19-492C-8106-A0AC74AED470}" type="datetimeFigureOut">
               <a:rPr lang="pt-BR" smtClean="0"/>
-              <a:t>08/10/2015</a:t>
+              <a:t>14/10/2015</a:t>
             </a:fld>
             <a:endParaRPr lang="pt-BR"/>
           </a:p>
@@ -2954,7 +2957,7 @@
           <a:p>
             <a:fld id="{167DAEA2-1B19-492C-8106-A0AC74AED470}" type="datetimeFigureOut">
               <a:rPr lang="pt-BR" smtClean="0"/>
-              <a:t>08/10/2015</a:t>
+              <a:t>14/10/2015</a:t>
             </a:fld>
             <a:endParaRPr lang="pt-BR"/>
           </a:p>
@@ -3320,7 +3323,7 @@
           <a:p>
             <a:fld id="{167DAEA2-1B19-492C-8106-A0AC74AED470}" type="datetimeFigureOut">
               <a:rPr lang="pt-BR" smtClean="0"/>
-              <a:t>08/10/2015</a:t>
+              <a:t>14/10/2015</a:t>
             </a:fld>
             <a:endParaRPr lang="pt-BR"/>
           </a:p>
@@ -3757,7 +3760,7 @@
           <a:p>
             <a:fld id="{167DAEA2-1B19-492C-8106-A0AC74AED470}" type="datetimeFigureOut">
               <a:rPr lang="pt-BR" smtClean="0"/>
-              <a:t>08/10/2015</a:t>
+              <a:t>14/10/2015</a:t>
             </a:fld>
             <a:endParaRPr lang="pt-BR"/>
           </a:p>
@@ -4866,6 +4869,363 @@
             <p:ph type="title"/>
           </p:nvPr>
         </p:nvSpPr>
+        <p:spPr/>
+        <p:txBody>
+          <a:bodyPr/>
+          <a:lstStyle/>
+          <a:p>
+            <a:r>
+              <a:rPr lang="pt-BR" dirty="0" err="1" smtClean="0"/>
+              <a:t>GitLab</a:t>
+            </a:r>
+            <a:endParaRPr lang="pt-BR" dirty="0"/>
+          </a:p>
+        </p:txBody>
+      </p:sp>
+      <p:sp>
+        <p:nvSpPr>
+          <p:cNvPr id="3" name="Espaço Reservado para Conteúdo 2"/>
+          <p:cNvSpPr>
+            <a:spLocks noGrp="1"/>
+          </p:cNvSpPr>
+          <p:nvPr>
+            <p:ph idx="1"/>
+          </p:nvPr>
+        </p:nvSpPr>
+        <p:spPr/>
+        <p:txBody>
+          <a:bodyPr/>
+          <a:lstStyle/>
+          <a:p>
+            <a:endParaRPr lang="pt-BR"/>
+          </a:p>
+        </p:txBody>
+      </p:sp>
+      <p:pic>
+        <p:nvPicPr>
+          <p:cNvPr id="2050" name="Picture 2"/>
+          <p:cNvPicPr>
+            <a:picLocks noChangeAspect="1" noChangeArrowheads="1"/>
+          </p:cNvPicPr>
+          <p:nvPr/>
+        </p:nvPicPr>
+        <p:blipFill>
+          <a:blip r:embed="rId2">
+            <a:extLst>
+              <a:ext uri="{28A0092B-C50C-407E-A947-70E740481C1C}">
+                <a14:useLocalDpi xmlns:a14="http://schemas.microsoft.com/office/drawing/2010/main" val="0"/>
+              </a:ext>
+            </a:extLst>
+          </a:blip>
+          <a:srcRect/>
+          <a:stretch>
+            <a:fillRect/>
+          </a:stretch>
+        </p:blipFill>
+        <p:spPr bwMode="auto">
+          <a:xfrm>
+            <a:off x="0" y="1484784"/>
+            <a:ext cx="9117950" cy="5184576"/>
+          </a:xfrm>
+          <a:prstGeom prst="rect">
+            <a:avLst/>
+          </a:prstGeom>
+          <a:noFill/>
+          <a:ln>
+            <a:noFill/>
+          </a:ln>
+          <a:extLst>
+            <a:ext uri="{909E8E84-426E-40DD-AFC4-6F175D3DCCD1}">
+              <a14:hiddenFill xmlns:a14="http://schemas.microsoft.com/office/drawing/2010/main">
+                <a:solidFill>
+                  <a:schemeClr val="accent1"/>
+                </a:solidFill>
+              </a14:hiddenFill>
+            </a:ext>
+            <a:ext uri="{91240B29-F687-4F45-9708-019B960494DF}">
+              <a14:hiddenLine xmlns:a14="http://schemas.microsoft.com/office/drawing/2010/main" w="9525">
+                <a:solidFill>
+                  <a:schemeClr val="tx1"/>
+                </a:solidFill>
+                <a:miter lim="800000"/>
+                <a:headEnd/>
+                <a:tailEnd/>
+              </a14:hiddenLine>
+            </a:ext>
+          </a:extLst>
+        </p:spPr>
+      </p:pic>
+    </p:spTree>
+    <p:extLst>
+      <p:ext uri="{BB962C8B-B14F-4D97-AF65-F5344CB8AC3E}">
+        <p14:creationId xmlns:p14="http://schemas.microsoft.com/office/powerpoint/2010/main" val="1259940772"/>
+      </p:ext>
+    </p:extLst>
+  </p:cSld>
+  <p:clrMapOvr>
+    <a:masterClrMapping/>
+  </p:clrMapOvr>
+</p:sld>
+</file>
+
+<file path=ppt/slides/slide16.xml><?xml version="1.0" encoding="utf-8"?>
+<p:sld xmlns:a="http://schemas.openxmlformats.org/drawingml/2006/main" xmlns:r="http://schemas.openxmlformats.org/officeDocument/2006/relationships" xmlns:p="http://schemas.openxmlformats.org/presentationml/2006/main">
+  <p:cSld>
+    <p:spTree>
+      <p:nvGrpSpPr>
+        <p:cNvPr id="1" name=""/>
+        <p:cNvGrpSpPr/>
+        <p:nvPr/>
+      </p:nvGrpSpPr>
+      <p:grpSpPr>
+        <a:xfrm>
+          <a:off x="0" y="0"/>
+          <a:ext cx="0" cy="0"/>
+          <a:chOff x="0" y="0"/>
+          <a:chExt cx="0" cy="0"/>
+        </a:xfrm>
+      </p:grpSpPr>
+      <p:sp>
+        <p:nvSpPr>
+          <p:cNvPr id="2" name="Título 1"/>
+          <p:cNvSpPr>
+            <a:spLocks noGrp="1"/>
+          </p:cNvSpPr>
+          <p:nvPr>
+            <p:ph type="title"/>
+          </p:nvPr>
+        </p:nvSpPr>
+        <p:spPr/>
+        <p:txBody>
+          <a:bodyPr/>
+          <a:lstStyle/>
+          <a:p>
+            <a:r>
+              <a:rPr lang="pt-BR" dirty="0" err="1" smtClean="0"/>
+              <a:t>GitLab</a:t>
+            </a:r>
+            <a:endParaRPr lang="pt-BR" dirty="0"/>
+          </a:p>
+        </p:txBody>
+      </p:sp>
+      <p:pic>
+        <p:nvPicPr>
+          <p:cNvPr id="1026" name="Picture 2"/>
+          <p:cNvPicPr>
+            <a:picLocks noGrp="1" noChangeAspect="1" noChangeArrowheads="1"/>
+          </p:cNvPicPr>
+          <p:nvPr>
+            <p:ph idx="1"/>
+          </p:nvPr>
+        </p:nvPicPr>
+        <p:blipFill>
+          <a:blip r:embed="rId2">
+            <a:extLst>
+              <a:ext uri="{28A0092B-C50C-407E-A947-70E740481C1C}">
+                <a14:useLocalDpi xmlns:a14="http://schemas.microsoft.com/office/drawing/2010/main" val="0"/>
+              </a:ext>
+            </a:extLst>
+          </a:blip>
+          <a:srcRect/>
+          <a:stretch>
+            <a:fillRect/>
+          </a:stretch>
+        </p:blipFill>
+        <p:spPr bwMode="auto">
+          <a:xfrm>
+            <a:off x="0" y="1556792"/>
+            <a:ext cx="9157734" cy="5184576"/>
+          </a:xfrm>
+          <a:prstGeom prst="rect">
+            <a:avLst/>
+          </a:prstGeom>
+          <a:noFill/>
+          <a:ln>
+            <a:noFill/>
+          </a:ln>
+          <a:extLst>
+            <a:ext uri="{909E8E84-426E-40DD-AFC4-6F175D3DCCD1}">
+              <a14:hiddenFill xmlns:a14="http://schemas.microsoft.com/office/drawing/2010/main">
+                <a:solidFill>
+                  <a:schemeClr val="accent1"/>
+                </a:solidFill>
+              </a14:hiddenFill>
+            </a:ext>
+            <a:ext uri="{91240B29-F687-4F45-9708-019B960494DF}">
+              <a14:hiddenLine xmlns:a14="http://schemas.microsoft.com/office/drawing/2010/main" w="9525">
+                <a:solidFill>
+                  <a:schemeClr val="tx1"/>
+                </a:solidFill>
+                <a:miter lim="800000"/>
+                <a:headEnd/>
+                <a:tailEnd/>
+              </a14:hiddenLine>
+            </a:ext>
+          </a:extLst>
+        </p:spPr>
+      </p:pic>
+    </p:spTree>
+    <p:extLst>
+      <p:ext uri="{BB962C8B-B14F-4D97-AF65-F5344CB8AC3E}">
+        <p14:creationId xmlns:p14="http://schemas.microsoft.com/office/powerpoint/2010/main" val="3769059957"/>
+      </p:ext>
+    </p:extLst>
+  </p:cSld>
+  <p:clrMapOvr>
+    <a:masterClrMapping/>
+  </p:clrMapOvr>
+</p:sld>
+</file>
+
+<file path=ppt/slides/slide17.xml><?xml version="1.0" encoding="utf-8"?>
+<p:sld xmlns:a="http://schemas.openxmlformats.org/drawingml/2006/main" xmlns:r="http://schemas.openxmlformats.org/officeDocument/2006/relationships" xmlns:p="http://schemas.openxmlformats.org/presentationml/2006/main">
+  <p:cSld>
+    <p:spTree>
+      <p:nvGrpSpPr>
+        <p:cNvPr id="1" name=""/>
+        <p:cNvGrpSpPr/>
+        <p:nvPr/>
+      </p:nvGrpSpPr>
+      <p:grpSpPr>
+        <a:xfrm>
+          <a:off x="0" y="0"/>
+          <a:ext cx="0" cy="0"/>
+          <a:chOff x="0" y="0"/>
+          <a:chExt cx="0" cy="0"/>
+        </a:xfrm>
+      </p:grpSpPr>
+      <p:sp>
+        <p:nvSpPr>
+          <p:cNvPr id="2" name="Título 1"/>
+          <p:cNvSpPr>
+            <a:spLocks noGrp="1"/>
+          </p:cNvSpPr>
+          <p:nvPr>
+            <p:ph type="title"/>
+          </p:nvPr>
+        </p:nvSpPr>
+        <p:spPr/>
+        <p:txBody>
+          <a:bodyPr/>
+          <a:lstStyle/>
+          <a:p>
+            <a:endParaRPr lang="pt-BR"/>
+          </a:p>
+        </p:txBody>
+      </p:sp>
+      <p:sp>
+        <p:nvSpPr>
+          <p:cNvPr id="3" name="Espaço Reservado para Conteúdo 2"/>
+          <p:cNvSpPr>
+            <a:spLocks noGrp="1"/>
+          </p:cNvSpPr>
+          <p:nvPr>
+            <p:ph idx="1"/>
+          </p:nvPr>
+        </p:nvSpPr>
+        <p:spPr/>
+        <p:txBody>
+          <a:bodyPr/>
+          <a:lstStyle/>
+          <a:p>
+            <a:endParaRPr lang="pt-BR" dirty="0"/>
+          </a:p>
+        </p:txBody>
+      </p:sp>
+      <p:pic>
+        <p:nvPicPr>
+          <p:cNvPr id="3074" name="Picture 2"/>
+          <p:cNvPicPr>
+            <a:picLocks noChangeAspect="1" noChangeArrowheads="1"/>
+          </p:cNvPicPr>
+          <p:nvPr/>
+        </p:nvPicPr>
+        <p:blipFill>
+          <a:blip r:embed="rId2">
+            <a:extLst>
+              <a:ext uri="{28A0092B-C50C-407E-A947-70E740481C1C}">
+                <a14:useLocalDpi xmlns:a14="http://schemas.microsoft.com/office/drawing/2010/main" val="0"/>
+              </a:ext>
+            </a:extLst>
+          </a:blip>
+          <a:srcRect/>
+          <a:stretch>
+            <a:fillRect/>
+          </a:stretch>
+        </p:blipFill>
+        <p:spPr bwMode="auto">
+          <a:xfrm>
+            <a:off x="0" y="1556792"/>
+            <a:ext cx="9125142" cy="5184576"/>
+          </a:xfrm>
+          <a:prstGeom prst="rect">
+            <a:avLst/>
+          </a:prstGeom>
+          <a:noFill/>
+          <a:ln>
+            <a:noFill/>
+          </a:ln>
+          <a:extLst>
+            <a:ext uri="{909E8E84-426E-40DD-AFC4-6F175D3DCCD1}">
+              <a14:hiddenFill xmlns:a14="http://schemas.microsoft.com/office/drawing/2010/main">
+                <a:solidFill>
+                  <a:schemeClr val="accent1"/>
+                </a:solidFill>
+              </a14:hiddenFill>
+            </a:ext>
+            <a:ext uri="{91240B29-F687-4F45-9708-019B960494DF}">
+              <a14:hiddenLine xmlns:a14="http://schemas.microsoft.com/office/drawing/2010/main" w="9525">
+                <a:solidFill>
+                  <a:schemeClr val="tx1"/>
+                </a:solidFill>
+                <a:miter lim="800000"/>
+                <a:headEnd/>
+                <a:tailEnd/>
+              </a14:hiddenLine>
+            </a:ext>
+          </a:extLst>
+        </p:spPr>
+      </p:pic>
+    </p:spTree>
+    <p:extLst>
+      <p:ext uri="{BB962C8B-B14F-4D97-AF65-F5344CB8AC3E}">
+        <p14:creationId xmlns:p14="http://schemas.microsoft.com/office/powerpoint/2010/main" val="1988396468"/>
+      </p:ext>
+    </p:extLst>
+  </p:cSld>
+  <p:clrMapOvr>
+    <a:masterClrMapping/>
+  </p:clrMapOvr>
+</p:sld>
+</file>
+
+<file path=ppt/slides/slide18.xml><?xml version="1.0" encoding="utf-8"?>
+<p:sld xmlns:a="http://schemas.openxmlformats.org/drawingml/2006/main" xmlns:r="http://schemas.openxmlformats.org/officeDocument/2006/relationships" xmlns:p="http://schemas.openxmlformats.org/presentationml/2006/main">
+  <p:cSld>
+    <p:spTree>
+      <p:nvGrpSpPr>
+        <p:cNvPr id="1" name=""/>
+        <p:cNvGrpSpPr/>
+        <p:nvPr/>
+      </p:nvGrpSpPr>
+      <p:grpSpPr>
+        <a:xfrm>
+          <a:off x="0" y="0"/>
+          <a:ext cx="0" cy="0"/>
+          <a:chOff x="0" y="0"/>
+          <a:chExt cx="0" cy="0"/>
+        </a:xfrm>
+      </p:grpSpPr>
+      <p:sp>
+        <p:nvSpPr>
+          <p:cNvPr id="2" name="Título 1"/>
+          <p:cNvSpPr>
+            <a:spLocks noGrp="1"/>
+          </p:cNvSpPr>
+          <p:nvPr>
+            <p:ph type="title"/>
+          </p:nvPr>
+        </p:nvSpPr>
         <p:spPr>
           <a:xfrm>
             <a:off x="457200" y="274638"/>
@@ -5457,11 +5817,7 @@
           <a:p>
             <a:r>
               <a:rPr lang="pt-BR" dirty="0" smtClean="0"/>
-              <a:t>Ciclo </a:t>
-            </a:r>
-            <a:r>
-              <a:rPr lang="pt-BR" dirty="0" smtClean="0"/>
-              <a:t>local</a:t>
+              <a:t>Ciclo local</a:t>
             </a:r>
             <a:endParaRPr lang="pt-BR" dirty="0"/>
           </a:p>
@@ -5655,13 +6011,17 @@
         <p:spPr/>
         <p:txBody>
           <a:bodyPr>
-            <a:normAutofit fontScale="90000"/>
+            <a:normAutofit/>
           </a:bodyPr>
           <a:lstStyle/>
           <a:p>
             <a:r>
               <a:rPr lang="pt-BR" dirty="0" smtClean="0"/>
-              <a:t>Primeira grande mudança de paradigma</a:t>
+              <a:t>Grande </a:t>
+            </a:r>
+            <a:r>
+              <a:rPr lang="pt-BR" dirty="0" smtClean="0"/>
+              <a:t>mudança de paradigma</a:t>
             </a:r>
             <a:endParaRPr lang="pt-BR" dirty="0"/>
           </a:p>
